--- a/其他ppt等/区块链分享1_认识比特币.pptx
+++ b/其他ppt等/区块链分享1_认识比特币.pptx
@@ -30,6 +30,9 @@
   </p:sldIdLst>
   <p:sldSz cx="12192000" cy="6858000"/>
   <p:notesSz cx="6858000" cy="9144000"/>
+  <p:custDataLst>
+    <p:tags r:id="rId28"/>
+  </p:custDataLst>
   <p:defaultTextStyle>
     <a:defPPr>
       <a:defRPr lang="ko-KR"/>
@@ -20795,8 +20798,8 @@
         </p:nvSpPr>
         <p:spPr>
           <a:xfrm>
-            <a:off x="8599170" y="3331845"/>
-            <a:ext cx="508635" cy="479425"/>
+            <a:off x="8688070" y="3357245"/>
+            <a:ext cx="435610" cy="407035"/>
           </a:xfrm>
           <a:prstGeom prst="ellipse">
             <a:avLst/>
@@ -20821,14 +20824,14 @@
           <a:p>
             <a:pPr algn="ctr"/>
             <a:r>
-              <a:rPr lang="zh-CN" altLang="en-US" sz="1400" b="1">
+              <a:rPr lang="zh-CN" altLang="en-US" sz="1200" b="1">
                 <a:solidFill>
                   <a:srgbClr val="FF0000"/>
                 </a:solidFill>
               </a:rPr>
               <a:t>规则</a:t>
             </a:r>
-            <a:endParaRPr lang="zh-CN" altLang="en-US" sz="1400" b="1">
+            <a:endParaRPr lang="zh-CN" altLang="en-US" sz="1200" b="1">
               <a:solidFill>
                 <a:srgbClr val="FF0000"/>
               </a:solidFill>
@@ -21099,7 +21102,7 @@
       <p:bldP spid="4" grpId="1"/>
       <p:bldP spid="9" grpId="0"/>
       <p:bldP spid="9" grpId="1"/>
-      <p:bldP spid="10" grpId="0" animBg="1"/>
+      <p:bldP spid="10" grpId="0" bldLvl="0" animBg="1"/>
       <p:bldP spid="7" grpId="0"/>
       <p:bldP spid="10" grpId="1" animBg="1"/>
       <p:bldP spid="7" grpId="1"/>
@@ -22388,6 +22391,13 @@
 <file path=ppt/tags/tag3.xml><?xml version="1.0" encoding="utf-8"?>
 <p:tagLst xmlns:p="http://schemas.openxmlformats.org/presentationml/2006/main">
   <p:tag name="KSO_WM_UNIT_PLACING_PICTURE_USER_VIEWPORT" val="{&quot;height&quot;:5459.9401574803151,&quot;width&quot;:3061.7574803149605}"/>
+</p:tagLst>
+</file>
+
+<file path=ppt/tags/tag4.xml><?xml version="1.0" encoding="utf-8"?>
+<p:tagLst xmlns:p="http://schemas.openxmlformats.org/presentationml/2006/main">
+  <p:tag name="KSO_WPP_MARK_KEY" val="48d32516-90c6-4654-bfde-ddcffa1c6bda"/>
+  <p:tag name="COMMONDATA" val="eyJoZGlkIjoiMzQ3NTc0NTdiMzQ1MTRkZWE3NDllNDYzYzk1MTNlMTMifQ=="/>
 </p:tagLst>
 </file>
 
